--- a/Tutorials/whatiswot/6-JSON_Schema_in_Practice/6.JSON Schema in Practice.pptx
+++ b/Tutorials/whatiswot/6-JSON_Schema_in_Practice/6.JSON Schema in Practice.pptx
@@ -248,7 +248,7 @@
           <a:p>
             <a:fld id="{13D04914-C2D3-4F6E-9724-F68824787271}" type="datetimeFigureOut">
               <a:rPr lang="en-US" smtClean="0"/>
-              <a:t>10/16/23</a:t>
+              <a:t>11/3/23</a:t>
             </a:fld>
             <a:endParaRPr lang="en-US"/>
           </a:p>
@@ -4829,7 +4829,7 @@
           <a:p>
             <a:fld id="{E81D2DD5-AB34-4770-8994-7B1025545EF3}" type="datetimeFigureOut">
               <a:rPr lang="en-US" smtClean="0"/>
-              <a:t>10/16/23</a:t>
+              <a:t>11/3/23</a:t>
             </a:fld>
             <a:endParaRPr lang="en-US"/>
           </a:p>
@@ -4999,7 +4999,7 @@
           <a:p>
             <a:fld id="{E81D2DD5-AB34-4770-8994-7B1025545EF3}" type="datetimeFigureOut">
               <a:rPr lang="en-US" smtClean="0"/>
-              <a:t>10/16/23</a:t>
+              <a:t>11/3/23</a:t>
             </a:fld>
             <a:endParaRPr lang="en-US"/>
           </a:p>
@@ -5179,7 +5179,7 @@
           <a:p>
             <a:fld id="{E81D2DD5-AB34-4770-8994-7B1025545EF3}" type="datetimeFigureOut">
               <a:rPr lang="en-US" smtClean="0"/>
-              <a:t>10/16/23</a:t>
+              <a:t>11/3/23</a:t>
             </a:fld>
             <a:endParaRPr lang="en-US"/>
           </a:p>
@@ -5349,7 +5349,7 @@
           <a:p>
             <a:fld id="{E81D2DD5-AB34-4770-8994-7B1025545EF3}" type="datetimeFigureOut">
               <a:rPr lang="en-US" smtClean="0"/>
-              <a:t>10/16/23</a:t>
+              <a:t>11/3/23</a:t>
             </a:fld>
             <a:endParaRPr lang="en-US"/>
           </a:p>
@@ -5595,7 +5595,7 @@
           <a:p>
             <a:fld id="{E81D2DD5-AB34-4770-8994-7B1025545EF3}" type="datetimeFigureOut">
               <a:rPr lang="en-US" smtClean="0"/>
-              <a:t>10/16/23</a:t>
+              <a:t>11/3/23</a:t>
             </a:fld>
             <a:endParaRPr lang="en-US"/>
           </a:p>
@@ -5827,7 +5827,7 @@
           <a:p>
             <a:fld id="{E81D2DD5-AB34-4770-8994-7B1025545EF3}" type="datetimeFigureOut">
               <a:rPr lang="en-US" smtClean="0"/>
-              <a:t>10/16/23</a:t>
+              <a:t>11/3/23</a:t>
             </a:fld>
             <a:endParaRPr lang="en-US"/>
           </a:p>
@@ -6194,7 +6194,7 @@
           <a:p>
             <a:fld id="{E81D2DD5-AB34-4770-8994-7B1025545EF3}" type="datetimeFigureOut">
               <a:rPr lang="en-US" smtClean="0"/>
-              <a:t>10/16/23</a:t>
+              <a:t>11/3/23</a:t>
             </a:fld>
             <a:endParaRPr lang="en-US"/>
           </a:p>
@@ -6312,7 +6312,7 @@
           <a:p>
             <a:fld id="{E81D2DD5-AB34-4770-8994-7B1025545EF3}" type="datetimeFigureOut">
               <a:rPr lang="en-US" smtClean="0"/>
-              <a:t>10/16/23</a:t>
+              <a:t>11/3/23</a:t>
             </a:fld>
             <a:endParaRPr lang="en-US"/>
           </a:p>
@@ -6407,7 +6407,7 @@
           <a:p>
             <a:fld id="{E81D2DD5-AB34-4770-8994-7B1025545EF3}" type="datetimeFigureOut">
               <a:rPr lang="en-US" smtClean="0"/>
-              <a:t>10/16/23</a:t>
+              <a:t>11/3/23</a:t>
             </a:fld>
             <a:endParaRPr lang="en-US"/>
           </a:p>
@@ -6684,7 +6684,7 @@
           <a:p>
             <a:fld id="{E81D2DD5-AB34-4770-8994-7B1025545EF3}" type="datetimeFigureOut">
               <a:rPr lang="en-US" smtClean="0"/>
-              <a:t>10/16/23</a:t>
+              <a:t>11/3/23</a:t>
             </a:fld>
             <a:endParaRPr lang="en-US"/>
           </a:p>
@@ -6941,7 +6941,7 @@
           <a:p>
             <a:fld id="{E81D2DD5-AB34-4770-8994-7B1025545EF3}" type="datetimeFigureOut">
               <a:rPr lang="en-US" smtClean="0"/>
-              <a:t>10/16/23</a:t>
+              <a:t>11/3/23</a:t>
             </a:fld>
             <a:endParaRPr lang="en-US"/>
           </a:p>
@@ -7159,7 +7159,7 @@
           <a:p>
             <a:fld id="{E81D2DD5-AB34-4770-8994-7B1025545EF3}" type="datetimeFigureOut">
               <a:rPr lang="en-US" smtClean="0"/>
-              <a:t>10/16/23</a:t>
+              <a:t>11/3/23</a:t>
             </a:fld>
             <a:endParaRPr lang="en-US"/>
           </a:p>
@@ -10807,13 +10807,13 @@
   <p:clrMapOvr>
     <a:masterClrMapping/>
   </p:clrMapOvr>
-  <mc:AlternateContent xmlns:mc="http://schemas.openxmlformats.org/markup-compatibility/2006">
-    <mc:Choice xmlns:p14="http://schemas.microsoft.com/office/powerpoint/2010/main" Requires="p14">
+  <mc:AlternateContent xmlns:mc="http://schemas.openxmlformats.org/markup-compatibility/2006" xmlns:p14="http://schemas.microsoft.com/office/powerpoint/2010/main">
+    <mc:Choice Requires="p14">
       <p:transition spd="slow" p14:dur="1500" advTm="11500">
         <p:push dir="u"/>
       </p:transition>
     </mc:Choice>
-    <mc:Fallback>
+    <mc:Fallback xmlns="">
       <p:transition spd="slow" advTm="11500">
         <p:push dir="u"/>
       </p:transition>
@@ -16626,13 +16626,13 @@
   <p:clrMapOvr>
     <a:masterClrMapping/>
   </p:clrMapOvr>
-  <mc:AlternateContent xmlns:mc="http://schemas.openxmlformats.org/markup-compatibility/2006">
-    <mc:Choice xmlns:p159="http://schemas.microsoft.com/office/powerpoint/2015/09/main" Requires="p159">
+  <mc:AlternateContent xmlns:mc="http://schemas.openxmlformats.org/markup-compatibility/2006" xmlns:p159="http://schemas.microsoft.com/office/powerpoint/2015/09/main">
+    <mc:Choice Requires="p159">
       <p:transition xmlns:p14="http://schemas.microsoft.com/office/powerpoint/2010/main" spd="slow" p14:dur="2000" advClick="0" advTm="21500">
         <p159:morph option="byObject"/>
       </p:transition>
     </mc:Choice>
-    <mc:Fallback>
+    <mc:Fallback xmlns="">
       <p:transition spd="slow" advClick="0" advTm="21500">
         <p:fade/>
       </p:transition>
@@ -18500,13 +18500,13 @@
   <p:clrMapOvr>
     <a:masterClrMapping/>
   </p:clrMapOvr>
-  <mc:AlternateContent xmlns:mc="http://schemas.openxmlformats.org/markup-compatibility/2006">
-    <mc:Choice xmlns:p159="http://schemas.microsoft.com/office/powerpoint/2015/09/main" Requires="p159">
+  <mc:AlternateContent xmlns:mc="http://schemas.openxmlformats.org/markup-compatibility/2006" xmlns:p159="http://schemas.microsoft.com/office/powerpoint/2015/09/main">
+    <mc:Choice Requires="p159">
       <p:transition xmlns:p14="http://schemas.microsoft.com/office/powerpoint/2010/main" spd="slow" p14:dur="2000" advClick="0" advTm="21000">
         <p159:morph option="byObject"/>
       </p:transition>
     </mc:Choice>
-    <mc:Fallback>
+    <mc:Fallback xmlns="">
       <p:transition spd="slow" advClick="0" advTm="21000">
         <p:fade/>
       </p:transition>
@@ -20995,13 +20995,13 @@
   <p:clrMapOvr>
     <a:masterClrMapping/>
   </p:clrMapOvr>
-  <mc:AlternateContent xmlns:mc="http://schemas.openxmlformats.org/markup-compatibility/2006">
-    <mc:Choice xmlns:p159="http://schemas.microsoft.com/office/powerpoint/2015/09/main" Requires="p159">
+  <mc:AlternateContent xmlns:mc="http://schemas.openxmlformats.org/markup-compatibility/2006" xmlns:p159="http://schemas.microsoft.com/office/powerpoint/2015/09/main">
+    <mc:Choice Requires="p159">
       <p:transition xmlns:p14="http://schemas.microsoft.com/office/powerpoint/2010/main" spd="slow" p14:dur="2000" advClick="0" advTm="16500">
         <p159:morph option="byObject"/>
       </p:transition>
     </mc:Choice>
-    <mc:Fallback>
+    <mc:Fallback xmlns="">
       <p:transition spd="slow" advClick="0" advTm="16500">
         <p:fade/>
       </p:transition>
@@ -24345,13 +24345,13 @@
   <p:clrMapOvr>
     <a:masterClrMapping/>
   </p:clrMapOvr>
-  <mc:AlternateContent xmlns:mc="http://schemas.openxmlformats.org/markup-compatibility/2006">
-    <mc:Choice xmlns:p159="http://schemas.microsoft.com/office/powerpoint/2015/09/main" Requires="p159">
+  <mc:AlternateContent xmlns:mc="http://schemas.openxmlformats.org/markup-compatibility/2006" xmlns:p159="http://schemas.microsoft.com/office/powerpoint/2015/09/main">
+    <mc:Choice Requires="p159">
       <p:transition xmlns:p14="http://schemas.microsoft.com/office/powerpoint/2010/main" spd="slow" p14:dur="2000" advClick="0" advTm="21000">
         <p159:morph option="byObject"/>
       </p:transition>
     </mc:Choice>
-    <mc:Fallback>
+    <mc:Fallback xmlns="">
       <p:transition spd="slow" advClick="0" advTm="21000">
         <p:fade/>
       </p:transition>
@@ -26096,13 +26096,13 @@
   <p:clrMapOvr>
     <a:masterClrMapping/>
   </p:clrMapOvr>
-  <mc:AlternateContent xmlns:mc="http://schemas.openxmlformats.org/markup-compatibility/2006">
-    <mc:Choice xmlns:p159="http://schemas.microsoft.com/office/powerpoint/2015/09/main" Requires="p159">
+  <mc:AlternateContent xmlns:mc="http://schemas.openxmlformats.org/markup-compatibility/2006" xmlns:p159="http://schemas.microsoft.com/office/powerpoint/2015/09/main">
+    <mc:Choice Requires="p159">
       <p:transition xmlns:p14="http://schemas.microsoft.com/office/powerpoint/2010/main" spd="slow" p14:dur="2000" advTm="12500">
         <p159:morph option="byObject"/>
       </p:transition>
     </mc:Choice>
-    <mc:Fallback>
+    <mc:Fallback xmlns="">
       <p:transition spd="slow" advTm="12500">
         <p:fade/>
       </p:transition>
@@ -28042,13 +28042,13 @@
   <p:clrMapOvr>
     <a:masterClrMapping/>
   </p:clrMapOvr>
-  <mc:AlternateContent xmlns:mc="http://schemas.openxmlformats.org/markup-compatibility/2006">
-    <mc:Choice xmlns:p14="http://schemas.microsoft.com/office/powerpoint/2010/main" Requires="p14">
+  <mc:AlternateContent xmlns:mc="http://schemas.openxmlformats.org/markup-compatibility/2006" xmlns:p14="http://schemas.microsoft.com/office/powerpoint/2010/main">
+    <mc:Choice Requires="p14">
       <p:transition spd="med" p14:dur="700" advTm="7500">
         <p:fade/>
       </p:transition>
     </mc:Choice>
-    <mc:Fallback>
+    <mc:Fallback xmlns="">
       <p:transition spd="med" advTm="7500">
         <p:fade/>
       </p:transition>
@@ -30176,11 +30176,11 @@
   <p:clrMapOvr>
     <a:masterClrMapping/>
   </p:clrMapOvr>
-  <mc:AlternateContent xmlns:mc="http://schemas.openxmlformats.org/markup-compatibility/2006">
-    <mc:Choice xmlns:p14="http://schemas.microsoft.com/office/powerpoint/2010/main" Requires="p14">
+  <mc:AlternateContent xmlns:mc="http://schemas.openxmlformats.org/markup-compatibility/2006" xmlns:p14="http://schemas.microsoft.com/office/powerpoint/2010/main">
+    <mc:Choice Requires="p14">
       <p:transition spd="slow" p14:dur="2000" advTm="22000"/>
     </mc:Choice>
-    <mc:Fallback>
+    <mc:Fallback xmlns="">
       <p:transition spd="slow" advTm="22000"/>
     </mc:Fallback>
   </mc:AlternateContent>
@@ -33363,13 +33363,13 @@
   <p:clrMapOvr>
     <a:masterClrMapping/>
   </p:clrMapOvr>
-  <mc:AlternateContent xmlns:mc="http://schemas.openxmlformats.org/markup-compatibility/2006">
-    <mc:Choice xmlns:p159="http://schemas.microsoft.com/office/powerpoint/2015/09/main" Requires="p159">
+  <mc:AlternateContent xmlns:mc="http://schemas.openxmlformats.org/markup-compatibility/2006" xmlns:p159="http://schemas.microsoft.com/office/powerpoint/2015/09/main">
+    <mc:Choice Requires="p159">
       <p:transition xmlns:p14="http://schemas.microsoft.com/office/powerpoint/2010/main" spd="slow" p14:dur="2000" advTm="3000">
         <p159:morph option="byObject"/>
       </p:transition>
     </mc:Choice>
-    <mc:Fallback>
+    <mc:Fallback xmlns="">
       <p:transition spd="slow" advTm="3000">
         <p:fade/>
       </p:transition>
@@ -33910,7 +33910,7 @@
                 </a:solidFill>
                 <a:latin typeface="Century Gothic" panose="020B0502020202020204" pitchFamily="34" charset="0"/>
               </a:rPr>
-              <a:t>/hth1mBvygBpviKVDIRgBANZBGIxshkQwGQzOATqVpQpQATTJxg59LIIEKMCBKMAC/KSAR3EgMneQPp5MWCH53wCoPYEvwA0lUkGVkDn0XhsCphI1gnPYPMTgRNJZP4nd1gAqC/woTiKNu2No6OtoCITgCiQaScCQ/WJGGo9GpgM8GBj+g/47vBEHAhE6hsGLY/S2i/BPmb+rGEHwzT2JkNI7xa8VwJDo14qfc/PvafhCJSqDSqN89ggCeQARZ7KmsmhFIG5gdxt7K3AzrgrCFe4+EsIPg7JA0aWG0DW2WP4yprRGgZ6gDoOCH1admJH8TKCQEZk3lZaXPlADniQZRwpH/1eHBJIhBivxPMZ5A8sez6uBPJyNdSYRQOmhl+pcRDPH+wAJAGqAFgKEAGOYXiGQF3+gdFoxiwXBSoiPJEBnA44hUMJqAB+EXbyQVdxgEaBQ6GB35</a:t>
+              <a:t>/hth1mBvygBpviKVDIRgBANZBGIxshkQwGQzOATqVpQpQATTJxg59LIIEKMCBKMAC/KSAR3EgMneQPp5MWCH53wCoPYEvwA0lUkGVkDn0XhsCphI1gnPYPMTgRNJZP4nd1gAqC/woTiKNu2No6OtoCITgCiQaScCQ/WJGGo9GpgM8GBj+g/47vBEHAhE6hsGLY/S2i/BPmb+rGEHwzT2JkNI7xa8VwJDo14qfc/PvafhCJSqDSqN89ggCeQARZ7KmsmhFIG5gdxt7K3AzrgrCFe4+EsIPg7JA0aWG0DW2WP4yprRGgZ6gDoOCH1admJH8TKCQEZk3lZaXPlADniQZRwpH/1eHBJIhBivxPMZ5A8sez6uBPJyNdSYRQOmhl+pcRDPH+wAJAGqAFgKEAGOYXiGQF3+gdFoxiwXBSoiPJEBnA44hUMJqAB+EXbyQVdxgEaBQ6GB35=</a:t>
             </a:r>
           </a:p>
         </p:txBody>
@@ -33925,14 +33925,14 @@
   <p:clrMapOvr>
     <a:masterClrMapping/>
   </p:clrMapOvr>
-  <mc:AlternateContent xmlns:mc="http://schemas.openxmlformats.org/markup-compatibility/2006" xmlns:p159="http://schemas.microsoft.com/office/powerpoint/2015/09/main">
-    <mc:Choice Requires="p159">
-      <p:transition xmlns:p14="http://schemas.microsoft.com/office/powerpoint/2010/main" spd="slow" p14:dur="2000" advTm="4000">
+  <mc:AlternateContent xmlns:mc="http://schemas.openxmlformats.org/markup-compatibility/2006">
+    <mc:Choice xmlns:p159="http://schemas.microsoft.com/office/powerpoint/2015/09/main" Requires="p159">
+      <p:transition xmlns:p14="http://schemas.microsoft.com/office/powerpoint/2010/main" spd="slow" p14:dur="2000" advTm="6000">
         <p159:morph option="byObject"/>
       </p:transition>
     </mc:Choice>
-    <mc:Fallback xmlns="">
-      <p:transition spd="slow" advTm="4000">
+    <mc:Fallback>
+      <p:transition spd="slow" advTm="6000">
         <p:fade/>
       </p:transition>
     </mc:Fallback>
@@ -36799,11 +36799,11 @@
   <p:clrMapOvr>
     <a:masterClrMapping/>
   </p:clrMapOvr>
-  <mc:AlternateContent xmlns:mc="http://schemas.openxmlformats.org/markup-compatibility/2006">
-    <mc:Choice xmlns:p14="http://schemas.microsoft.com/office/powerpoint/2010/main" Requires="p14">
+  <mc:AlternateContent xmlns:mc="http://schemas.openxmlformats.org/markup-compatibility/2006" xmlns:p14="http://schemas.microsoft.com/office/powerpoint/2010/main">
+    <mc:Choice Requires="p14">
       <p:transition spd="slow" p14:dur="2000" advClick="0" advTm="7000"/>
     </mc:Choice>
-    <mc:Fallback>
+    <mc:Fallback xmlns="">
       <p:transition spd="slow" advClick="0" advTm="7000"/>
     </mc:Fallback>
   </mc:AlternateContent>
@@ -43734,13 +43734,13 @@
   <p:clrMapOvr>
     <a:masterClrMapping/>
   </p:clrMapOvr>
-  <mc:AlternateContent xmlns:mc="http://schemas.openxmlformats.org/markup-compatibility/2006">
-    <mc:Choice xmlns:p159="http://schemas.microsoft.com/office/powerpoint/2015/09/main" Requires="p159">
+  <mc:AlternateContent xmlns:mc="http://schemas.openxmlformats.org/markup-compatibility/2006" xmlns:p159="http://schemas.microsoft.com/office/powerpoint/2015/09/main">
+    <mc:Choice Requires="p159">
       <p:transition spd="slow" advClick="0" advTm="9000">
         <p159:morph option="byObject"/>
       </p:transition>
     </mc:Choice>
-    <mc:Fallback>
+    <mc:Fallback xmlns="">
       <p:transition spd="slow" advClick="0" advTm="9000">
         <p:fade/>
       </p:transition>

--- a/Tutorials/whatiswot/6-JSON_Schema_in_Practice/6.JSON Schema in Practice.pptx
+++ b/Tutorials/whatiswot/6-JSON_Schema_in_Practice/6.JSON Schema in Practice.pptx
@@ -5,7 +5,7 @@
     <p:sldMasterId id="2147483660" r:id="rId1"/>
   </p:sldMasterIdLst>
   <p:notesMasterIdLst>
-    <p:notesMasterId r:id="rId29"/>
+    <p:notesMasterId r:id="rId30"/>
   </p:notesMasterIdLst>
   <p:sldIdLst>
     <p:sldId id="293" r:id="rId2"/>
@@ -35,6 +35,7 @@
     <p:sldId id="318" r:id="rId26"/>
     <p:sldId id="296" r:id="rId27"/>
     <p:sldId id="285" r:id="rId28"/>
+    <p:sldId id="324" r:id="rId29"/>
   </p:sldIdLst>
   <p:sldSz cx="12192000" cy="6858000"/>
   <p:notesSz cx="6858000" cy="9144000"/>
@@ -248,7 +249,7 @@
           <a:p>
             <a:fld id="{13D04914-C2D3-4F6E-9724-F68824787271}" type="datetimeFigureOut">
               <a:rPr lang="en-US" smtClean="0"/>
-              <a:t>11/3/23</a:t>
+              <a:t>11/21/23</a:t>
             </a:fld>
             <a:endParaRPr lang="en-US"/>
           </a:p>
@@ -3954,6 +3955,100 @@
 </p:notes>
 </file>
 
+<file path=ppt/notesSlides/notesSlide28.xml><?xml version="1.0" encoding="utf-8"?>
+<p:notes xmlns:a="http://schemas.openxmlformats.org/drawingml/2006/main" xmlns:r="http://schemas.openxmlformats.org/officeDocument/2006/relationships" xmlns:p="http://schemas.openxmlformats.org/presentationml/2006/main">
+  <p:cSld>
+    <p:spTree>
+      <p:nvGrpSpPr>
+        <p:cNvPr id="1" name=""/>
+        <p:cNvGrpSpPr/>
+        <p:nvPr/>
+      </p:nvGrpSpPr>
+      <p:grpSpPr>
+        <a:xfrm>
+          <a:off x="0" y="0"/>
+          <a:ext cx="0" cy="0"/>
+          <a:chOff x="0" y="0"/>
+          <a:chExt cx="0" cy="0"/>
+        </a:xfrm>
+      </p:grpSpPr>
+      <p:sp>
+        <p:nvSpPr>
+          <p:cNvPr id="2" name="Slide Image Placeholder 1"/>
+          <p:cNvSpPr>
+            <a:spLocks noGrp="1" noRot="1" noChangeAspect="1"/>
+          </p:cNvSpPr>
+          <p:nvPr>
+            <p:ph type="sldImg"/>
+          </p:nvPr>
+        </p:nvSpPr>
+        <p:spPr/>
+      </p:sp>
+      <p:sp>
+        <p:nvSpPr>
+          <p:cNvPr id="3" name="Notes Placeholder 2"/>
+          <p:cNvSpPr>
+            <a:spLocks noGrp="1"/>
+          </p:cNvSpPr>
+          <p:nvPr>
+            <p:ph type="body" idx="1"/>
+          </p:nvPr>
+        </p:nvSpPr>
+        <p:spPr/>
+        <p:txBody>
+          <a:bodyPr/>
+          <a:lstStyle/>
+          <a:p>
+            <a:r>
+              <a:rPr lang="en-US" b="0" i="0" dirty="0">
+                <a:solidFill>
+                  <a:srgbClr val="E6EDF3"/>
+                </a:solidFill>
+                <a:effectLst/>
+                <a:latin typeface="-apple-system"/>
+              </a:rPr>
+              <a:t>You can proceed to the next tutorial by clicking on the card or the video description</a:t>
+            </a:r>
+            <a:endParaRPr lang="tr-TR" dirty="0"/>
+          </a:p>
+        </p:txBody>
+      </p:sp>
+      <p:sp>
+        <p:nvSpPr>
+          <p:cNvPr id="4" name="Slide Number Placeholder 3"/>
+          <p:cNvSpPr>
+            <a:spLocks noGrp="1"/>
+          </p:cNvSpPr>
+          <p:nvPr>
+            <p:ph type="sldNum" sz="quarter" idx="5"/>
+          </p:nvPr>
+        </p:nvSpPr>
+        <p:spPr/>
+        <p:txBody>
+          <a:bodyPr/>
+          <a:lstStyle/>
+          <a:p>
+            <a:fld id="{838D45EA-097A-449E-8E80-C10F8140ABDB}" type="slidenum">
+              <a:rPr lang="en-US" smtClean="0"/>
+              <a:t>28</a:t>
+            </a:fld>
+            <a:endParaRPr lang="en-US"/>
+          </a:p>
+        </p:txBody>
+      </p:sp>
+    </p:spTree>
+    <p:extLst>
+      <p:ext uri="{BB962C8B-B14F-4D97-AF65-F5344CB8AC3E}">
+        <p14:creationId xmlns:p14="http://schemas.microsoft.com/office/powerpoint/2010/main" val="1820635812"/>
+      </p:ext>
+    </p:extLst>
+  </p:cSld>
+  <p:clrMapOvr>
+    <a:masterClrMapping/>
+  </p:clrMapOvr>
+</p:notes>
+</file>
+
 <file path=ppt/notesSlides/notesSlide3.xml><?xml version="1.0" encoding="utf-8"?>
 <p:notes xmlns:a="http://schemas.openxmlformats.org/drawingml/2006/main" xmlns:r="http://schemas.openxmlformats.org/officeDocument/2006/relationships" xmlns:p="http://schemas.openxmlformats.org/presentationml/2006/main">
   <p:cSld>
@@ -4829,7 +4924,7 @@
           <a:p>
             <a:fld id="{E81D2DD5-AB34-4770-8994-7B1025545EF3}" type="datetimeFigureOut">
               <a:rPr lang="en-US" smtClean="0"/>
-              <a:t>11/3/23</a:t>
+              <a:t>11/21/23</a:t>
             </a:fld>
             <a:endParaRPr lang="en-US"/>
           </a:p>
@@ -4999,7 +5094,7 @@
           <a:p>
             <a:fld id="{E81D2DD5-AB34-4770-8994-7B1025545EF3}" type="datetimeFigureOut">
               <a:rPr lang="en-US" smtClean="0"/>
-              <a:t>11/3/23</a:t>
+              <a:t>11/21/23</a:t>
             </a:fld>
             <a:endParaRPr lang="en-US"/>
           </a:p>
@@ -5179,7 +5274,7 @@
           <a:p>
             <a:fld id="{E81D2DD5-AB34-4770-8994-7B1025545EF3}" type="datetimeFigureOut">
               <a:rPr lang="en-US" smtClean="0"/>
-              <a:t>11/3/23</a:t>
+              <a:t>11/21/23</a:t>
             </a:fld>
             <a:endParaRPr lang="en-US"/>
           </a:p>
@@ -5349,7 +5444,7 @@
           <a:p>
             <a:fld id="{E81D2DD5-AB34-4770-8994-7B1025545EF3}" type="datetimeFigureOut">
               <a:rPr lang="en-US" smtClean="0"/>
-              <a:t>11/3/23</a:t>
+              <a:t>11/21/23</a:t>
             </a:fld>
             <a:endParaRPr lang="en-US"/>
           </a:p>
@@ -5595,7 +5690,7 @@
           <a:p>
             <a:fld id="{E81D2DD5-AB34-4770-8994-7B1025545EF3}" type="datetimeFigureOut">
               <a:rPr lang="en-US" smtClean="0"/>
-              <a:t>11/3/23</a:t>
+              <a:t>11/21/23</a:t>
             </a:fld>
             <a:endParaRPr lang="en-US"/>
           </a:p>
@@ -5827,7 +5922,7 @@
           <a:p>
             <a:fld id="{E81D2DD5-AB34-4770-8994-7B1025545EF3}" type="datetimeFigureOut">
               <a:rPr lang="en-US" smtClean="0"/>
-              <a:t>11/3/23</a:t>
+              <a:t>11/21/23</a:t>
             </a:fld>
             <a:endParaRPr lang="en-US"/>
           </a:p>
@@ -6194,7 +6289,7 @@
           <a:p>
             <a:fld id="{E81D2DD5-AB34-4770-8994-7B1025545EF3}" type="datetimeFigureOut">
               <a:rPr lang="en-US" smtClean="0"/>
-              <a:t>11/3/23</a:t>
+              <a:t>11/21/23</a:t>
             </a:fld>
             <a:endParaRPr lang="en-US"/>
           </a:p>
@@ -6312,7 +6407,7 @@
           <a:p>
             <a:fld id="{E81D2DD5-AB34-4770-8994-7B1025545EF3}" type="datetimeFigureOut">
               <a:rPr lang="en-US" smtClean="0"/>
-              <a:t>11/3/23</a:t>
+              <a:t>11/21/23</a:t>
             </a:fld>
             <a:endParaRPr lang="en-US"/>
           </a:p>
@@ -6407,7 +6502,7 @@
           <a:p>
             <a:fld id="{E81D2DD5-AB34-4770-8994-7B1025545EF3}" type="datetimeFigureOut">
               <a:rPr lang="en-US" smtClean="0"/>
-              <a:t>11/3/23</a:t>
+              <a:t>11/21/23</a:t>
             </a:fld>
             <a:endParaRPr lang="en-US"/>
           </a:p>
@@ -6684,7 +6779,7 @@
           <a:p>
             <a:fld id="{E81D2DD5-AB34-4770-8994-7B1025545EF3}" type="datetimeFigureOut">
               <a:rPr lang="en-US" smtClean="0"/>
-              <a:t>11/3/23</a:t>
+              <a:t>11/21/23</a:t>
             </a:fld>
             <a:endParaRPr lang="en-US"/>
           </a:p>
@@ -6941,7 +7036,7 @@
           <a:p>
             <a:fld id="{E81D2DD5-AB34-4770-8994-7B1025545EF3}" type="datetimeFigureOut">
               <a:rPr lang="en-US" smtClean="0"/>
-              <a:t>11/3/23</a:t>
+              <a:t>11/21/23</a:t>
             </a:fld>
             <a:endParaRPr lang="en-US"/>
           </a:p>
@@ -7159,7 +7254,7 @@
           <a:p>
             <a:fld id="{E81D2DD5-AB34-4770-8994-7B1025545EF3}" type="datetimeFigureOut">
               <a:rPr lang="en-US" smtClean="0"/>
-              <a:t>11/3/23</a:t>
+              <a:t>11/21/23</a:t>
             </a:fld>
             <a:endParaRPr lang="en-US"/>
           </a:p>
@@ -33925,13 +34020,13 @@
   <p:clrMapOvr>
     <a:masterClrMapping/>
   </p:clrMapOvr>
-  <mc:AlternateContent xmlns:mc="http://schemas.openxmlformats.org/markup-compatibility/2006">
-    <mc:Choice xmlns:p159="http://schemas.microsoft.com/office/powerpoint/2015/09/main" Requires="p159">
+  <mc:AlternateContent xmlns:mc="http://schemas.openxmlformats.org/markup-compatibility/2006" xmlns:p159="http://schemas.microsoft.com/office/powerpoint/2015/09/main">
+    <mc:Choice Requires="p159">
       <p:transition xmlns:p14="http://schemas.microsoft.com/office/powerpoint/2010/main" spd="slow" p14:dur="2000" advTm="6000">
         <p159:morph option="byObject"/>
       </p:transition>
     </mc:Choice>
-    <mc:Fallback>
+    <mc:Fallback xmlns="">
       <p:transition spd="slow" advTm="6000">
         <p:fade/>
       </p:transition>
@@ -34025,7 +34120,7 @@
 </file>
 
 <file path=ppt/slides/slide25.xml><?xml version="1.0" encoding="utf-8"?>
-<p:sld xmlns:a="http://schemas.openxmlformats.org/drawingml/2006/main" xmlns:r="http://schemas.openxmlformats.org/officeDocument/2006/relationships" xmlns:p="http://schemas.openxmlformats.org/presentationml/2006/main">
+<p:sld xmlns:a="http://schemas.openxmlformats.org/drawingml/2006/main" xmlns:r="http://schemas.openxmlformats.org/officeDocument/2006/relationships" xmlns:p="http://schemas.openxmlformats.org/presentationml/2006/main" show="0">
   <p:cSld>
     <p:spTree>
       <p:nvGrpSpPr>
@@ -34695,13 +34790,13 @@
   <p:clrMapOvr>
     <a:masterClrMapping/>
   </p:clrMapOvr>
-  <mc:AlternateContent xmlns:mc="http://schemas.openxmlformats.org/markup-compatibility/2006" xmlns:p159="http://schemas.microsoft.com/office/powerpoint/2015/09/main">
-    <mc:Choice Requires="p159">
+  <mc:AlternateContent xmlns:mc="http://schemas.openxmlformats.org/markup-compatibility/2006">
+    <mc:Choice xmlns:p159="http://schemas.microsoft.com/office/powerpoint/2015/09/main" Requires="p159">
       <p:transition xmlns:p14="http://schemas.microsoft.com/office/powerpoint/2010/main" spd="slow" p14:dur="2000" advClick="0" advTm="4000">
         <p159:morph option="byObject"/>
       </p:transition>
     </mc:Choice>
-    <mc:Fallback xmlns="">
+    <mc:Fallback>
       <p:transition spd="slow" advClick="0" advTm="4000">
         <p:fade/>
       </p:transition>
@@ -35498,7 +35593,7 @@
 </file>
 
 <file path=ppt/slides/slide27.xml><?xml version="1.0" encoding="utf-8"?>
-<p:sld xmlns:a="http://schemas.openxmlformats.org/drawingml/2006/main" xmlns:r="http://schemas.openxmlformats.org/officeDocument/2006/relationships" xmlns:p="http://schemas.openxmlformats.org/presentationml/2006/main">
+<p:sld xmlns:a="http://schemas.openxmlformats.org/drawingml/2006/main" xmlns:r="http://schemas.openxmlformats.org/officeDocument/2006/relationships" xmlns:p="http://schemas.openxmlformats.org/presentationml/2006/main" show="0">
   <p:cSld>
     <p:spTree>
       <p:nvGrpSpPr>
@@ -35560,12 +35655,382 @@
   <p:clrMapOvr>
     <a:masterClrMapping/>
   </p:clrMapOvr>
-  <mc:AlternateContent xmlns:mc="http://schemas.openxmlformats.org/markup-compatibility/2006" xmlns:p14="http://schemas.microsoft.com/office/powerpoint/2010/main">
-    <mc:Choice Requires="p14">
+  <mc:AlternateContent xmlns:mc="http://schemas.openxmlformats.org/markup-compatibility/2006">
+    <mc:Choice xmlns:p14="http://schemas.microsoft.com/office/powerpoint/2010/main" Requires="p14">
       <p:transition p14:dur="0" advClick="0" advTm="4000"/>
     </mc:Choice>
-    <mc:Fallback xmlns="">
+    <mc:Fallback>
       <p:transition advClick="0" advTm="4000"/>
+    </mc:Fallback>
+  </mc:AlternateContent>
+</p:sld>
+</file>
+
+<file path=ppt/slides/slide28.xml><?xml version="1.0" encoding="utf-8"?>
+<p:sld xmlns:a="http://schemas.openxmlformats.org/drawingml/2006/main" xmlns:r="http://schemas.openxmlformats.org/officeDocument/2006/relationships" xmlns:p="http://schemas.openxmlformats.org/presentationml/2006/main">
+  <p:cSld>
+    <p:spTree>
+      <p:nvGrpSpPr>
+        <p:cNvPr id="1" name=""/>
+        <p:cNvGrpSpPr/>
+        <p:nvPr/>
+      </p:nvGrpSpPr>
+      <p:grpSpPr>
+        <a:xfrm>
+          <a:off x="0" y="0"/>
+          <a:ext cx="0" cy="0"/>
+          <a:chOff x="0" y="0"/>
+          <a:chExt cx="0" cy="0"/>
+        </a:xfrm>
+      </p:grpSpPr>
+      <p:sp>
+        <p:nvSpPr>
+          <p:cNvPr id="6" name="Rounded Rectangle 5">
+            <a:extLst>
+              <a:ext uri="{FF2B5EF4-FFF2-40B4-BE49-F238E27FC236}">
+                <a16:creationId xmlns:a16="http://schemas.microsoft.com/office/drawing/2014/main" id="{079D50C5-FAF9-69C9-E581-B5318807CD15}"/>
+              </a:ext>
+            </a:extLst>
+          </p:cNvPr>
+          <p:cNvSpPr/>
+          <p:nvPr/>
+        </p:nvSpPr>
+        <p:spPr>
+          <a:xfrm>
+            <a:off x="1032256" y="3291829"/>
+            <a:ext cx="4547616" cy="2818177"/>
+          </a:xfrm>
+          <a:prstGeom prst="roundRect">
+            <a:avLst>
+              <a:gd name="adj" fmla="val 8522"/>
+            </a:avLst>
+          </a:prstGeom>
+          <a:noFill/>
+          <a:ln w="57150">
+            <a:solidFill>
+              <a:schemeClr val="accent2"/>
+            </a:solidFill>
+          </a:ln>
+        </p:spPr>
+        <p:style>
+          <a:lnRef idx="2">
+            <a:schemeClr val="accent1">
+              <a:shade val="15000"/>
+            </a:schemeClr>
+          </a:lnRef>
+          <a:fillRef idx="1">
+            <a:schemeClr val="accent1"/>
+          </a:fillRef>
+          <a:effectRef idx="0">
+            <a:schemeClr val="accent1"/>
+          </a:effectRef>
+          <a:fontRef idx="minor">
+            <a:schemeClr val="lt1"/>
+          </a:fontRef>
+        </p:style>
+        <p:txBody>
+          <a:bodyPr rtlCol="0" anchor="ctr"/>
+          <a:lstStyle/>
+          <a:p>
+            <a:pPr algn="ctr"/>
+            <a:endParaRPr lang="en-US"/>
+          </a:p>
+        </p:txBody>
+      </p:sp>
+      <p:sp>
+        <p:nvSpPr>
+          <p:cNvPr id="8" name="TextBox 7">
+            <a:extLst>
+              <a:ext uri="{FF2B5EF4-FFF2-40B4-BE49-F238E27FC236}">
+                <a16:creationId xmlns:a16="http://schemas.microsoft.com/office/drawing/2014/main" id="{17B2EE81-90D0-AEF5-195E-CD3BBEC1AAC8}"/>
+              </a:ext>
+            </a:extLst>
+          </p:cNvPr>
+          <p:cNvSpPr txBox="1"/>
+          <p:nvPr/>
+        </p:nvSpPr>
+        <p:spPr>
+          <a:xfrm>
+            <a:off x="2731008" y="585216"/>
+            <a:ext cx="184731" cy="369332"/>
+          </a:xfrm>
+          <a:prstGeom prst="rect">
+            <a:avLst/>
+          </a:prstGeom>
+          <a:noFill/>
+        </p:spPr>
+        <p:txBody>
+          <a:bodyPr wrap="none" rtlCol="0">
+            <a:spAutoFit/>
+          </a:bodyPr>
+          <a:lstStyle/>
+          <a:p>
+            <a:endParaRPr lang="en-US" dirty="0"/>
+          </a:p>
+        </p:txBody>
+      </p:sp>
+      <p:sp>
+        <p:nvSpPr>
+          <p:cNvPr id="13" name="TextBox 12">
+            <a:extLst>
+              <a:ext uri="{FF2B5EF4-FFF2-40B4-BE49-F238E27FC236}">
+                <a16:creationId xmlns:a16="http://schemas.microsoft.com/office/drawing/2014/main" id="{194EC36A-72C0-5D97-08B6-18C18A96A95D}"/>
+              </a:ext>
+            </a:extLst>
+          </p:cNvPr>
+          <p:cNvSpPr txBox="1"/>
+          <p:nvPr/>
+        </p:nvSpPr>
+        <p:spPr>
+          <a:xfrm>
+            <a:off x="8769346" y="2544227"/>
+            <a:ext cx="2390398" cy="584775"/>
+          </a:xfrm>
+          <a:prstGeom prst="rect">
+            <a:avLst/>
+          </a:prstGeom>
+          <a:noFill/>
+        </p:spPr>
+        <p:txBody>
+          <a:bodyPr wrap="none" rtlCol="0">
+            <a:spAutoFit/>
+          </a:bodyPr>
+          <a:lstStyle/>
+          <a:p>
+            <a:r>
+              <a:rPr lang="en-US" sz="3200" dirty="0">
+                <a:solidFill>
+                  <a:schemeClr val="accent2"/>
+                </a:solidFill>
+                <a:latin typeface="Century Gothic" panose="020B0502020202020204" pitchFamily="34" charset="0"/>
+              </a:rPr>
+              <a:t>Next Video</a:t>
+            </a:r>
+          </a:p>
+        </p:txBody>
+      </p:sp>
+      <p:sp>
+        <p:nvSpPr>
+          <p:cNvPr id="14" name="Rectangle 13">
+            <a:extLst>
+              <a:ext uri="{FF2B5EF4-FFF2-40B4-BE49-F238E27FC236}">
+                <a16:creationId xmlns:a16="http://schemas.microsoft.com/office/drawing/2014/main" id="{30610344-5073-9351-D254-6D8408C00B10}"/>
+              </a:ext>
+            </a:extLst>
+          </p:cNvPr>
+          <p:cNvSpPr>
+            <a:spLocks/>
+          </p:cNvSpPr>
+          <p:nvPr/>
+        </p:nvSpPr>
+        <p:spPr>
+          <a:xfrm>
+            <a:off x="4507675" y="432606"/>
+            <a:ext cx="3176651" cy="3696485"/>
+          </a:xfrm>
+          <a:prstGeom prst="rect">
+            <a:avLst/>
+          </a:prstGeom>
+          <a:noFill/>
+        </p:spPr>
+        <p:txBody>
+          <a:bodyPr wrap="none" lIns="91440" tIns="45720" rIns="91440" bIns="45720">
+            <a:prstTxWarp prst="textArchUp">
+              <a:avLst>
+                <a:gd name="adj" fmla="val 11740300"/>
+              </a:avLst>
+            </a:prstTxWarp>
+            <a:spAutoFit/>
+          </a:bodyPr>
+          <a:lstStyle/>
+          <a:p>
+            <a:r>
+              <a:rPr lang="en-US" sz="3600" dirty="0">
+                <a:solidFill>
+                  <a:schemeClr val="accent1"/>
+                </a:solidFill>
+                <a:latin typeface="Century Gothic" panose="020B0502020202020204" pitchFamily="34" charset="0"/>
+              </a:rPr>
+              <a:t>Subscribe to our Channel</a:t>
+            </a:r>
+          </a:p>
+        </p:txBody>
+      </p:sp>
+      <p:sp>
+        <p:nvSpPr>
+          <p:cNvPr id="2" name="TextBox 1">
+            <a:extLst>
+              <a:ext uri="{FF2B5EF4-FFF2-40B4-BE49-F238E27FC236}">
+                <a16:creationId xmlns:a16="http://schemas.microsoft.com/office/drawing/2014/main" id="{DB648E07-0ADA-3213-F04B-B618F86FE55A}"/>
+              </a:ext>
+            </a:extLst>
+          </p:cNvPr>
+          <p:cNvSpPr txBox="1"/>
+          <p:nvPr/>
+        </p:nvSpPr>
+        <p:spPr>
+          <a:xfrm>
+            <a:off x="1032256" y="2544228"/>
+            <a:ext cx="1556836" cy="584775"/>
+          </a:xfrm>
+          <a:prstGeom prst="rect">
+            <a:avLst/>
+          </a:prstGeom>
+          <a:noFill/>
+        </p:spPr>
+        <p:txBody>
+          <a:bodyPr wrap="none" rtlCol="0">
+            <a:spAutoFit/>
+          </a:bodyPr>
+          <a:lstStyle/>
+          <a:p>
+            <a:r>
+              <a:rPr lang="en-US" sz="3200" dirty="0">
+                <a:solidFill>
+                  <a:schemeClr val="accent2"/>
+                </a:solidFill>
+                <a:latin typeface="Century Gothic" panose="020B0502020202020204" pitchFamily="34" charset="0"/>
+              </a:rPr>
+              <a:t>Playlist</a:t>
+            </a:r>
+            <a:r>
+              <a:rPr lang="en-US" sz="2400" dirty="0">
+                <a:solidFill>
+                  <a:schemeClr val="accent2"/>
+                </a:solidFill>
+                <a:latin typeface="Century Gothic" panose="020B0502020202020204" pitchFamily="34" charset="0"/>
+              </a:rPr>
+              <a:t> </a:t>
+            </a:r>
+          </a:p>
+        </p:txBody>
+      </p:sp>
+      <p:sp>
+        <p:nvSpPr>
+          <p:cNvPr id="4" name="Oval 3">
+            <a:extLst>
+              <a:ext uri="{FF2B5EF4-FFF2-40B4-BE49-F238E27FC236}">
+                <a16:creationId xmlns:a16="http://schemas.microsoft.com/office/drawing/2014/main" id="{B0419334-D010-AABC-F69E-4CE3A439194D}"/>
+              </a:ext>
+            </a:extLst>
+          </p:cNvPr>
+          <p:cNvSpPr/>
+          <p:nvPr/>
+        </p:nvSpPr>
+        <p:spPr>
+          <a:xfrm>
+            <a:off x="4899713" y="736429"/>
+            <a:ext cx="2392574" cy="2392574"/>
+          </a:xfrm>
+          <a:prstGeom prst="ellipse">
+            <a:avLst/>
+          </a:prstGeom>
+          <a:noFill/>
+          <a:ln w="57150">
+            <a:solidFill>
+              <a:schemeClr val="accent1"/>
+            </a:solidFill>
+          </a:ln>
+        </p:spPr>
+        <p:style>
+          <a:lnRef idx="2">
+            <a:schemeClr val="accent1">
+              <a:shade val="15000"/>
+            </a:schemeClr>
+          </a:lnRef>
+          <a:fillRef idx="1">
+            <a:schemeClr val="accent1"/>
+          </a:fillRef>
+          <a:effectRef idx="0">
+            <a:schemeClr val="accent1"/>
+          </a:effectRef>
+          <a:fontRef idx="minor">
+            <a:schemeClr val="lt1"/>
+          </a:fontRef>
+        </p:style>
+        <p:txBody>
+          <a:bodyPr rtlCol="0" anchor="ctr"/>
+          <a:lstStyle/>
+          <a:p>
+            <a:pPr algn="ctr"/>
+            <a:endParaRPr lang="en-US"/>
+          </a:p>
+        </p:txBody>
+      </p:sp>
+      <p:sp>
+        <p:nvSpPr>
+          <p:cNvPr id="7" name="Rounded Rectangle 6">
+            <a:extLst>
+              <a:ext uri="{FF2B5EF4-FFF2-40B4-BE49-F238E27FC236}">
+                <a16:creationId xmlns:a16="http://schemas.microsoft.com/office/drawing/2014/main" id="{17CFD8EC-DAD6-2D70-BC4C-CA8D499F942E}"/>
+              </a:ext>
+            </a:extLst>
+          </p:cNvPr>
+          <p:cNvSpPr/>
+          <p:nvPr/>
+        </p:nvSpPr>
+        <p:spPr>
+          <a:xfrm>
+            <a:off x="6612128" y="3291829"/>
+            <a:ext cx="4547616" cy="2818177"/>
+          </a:xfrm>
+          <a:prstGeom prst="roundRect">
+            <a:avLst>
+              <a:gd name="adj" fmla="val 8522"/>
+            </a:avLst>
+          </a:prstGeom>
+          <a:noFill/>
+          <a:ln w="57150">
+            <a:solidFill>
+              <a:schemeClr val="accent2"/>
+            </a:solidFill>
+          </a:ln>
+        </p:spPr>
+        <p:style>
+          <a:lnRef idx="2">
+            <a:schemeClr val="accent1">
+              <a:shade val="15000"/>
+            </a:schemeClr>
+          </a:lnRef>
+          <a:fillRef idx="1">
+            <a:schemeClr val="accent1"/>
+          </a:fillRef>
+          <a:effectRef idx="0">
+            <a:schemeClr val="accent1"/>
+          </a:effectRef>
+          <a:fontRef idx="minor">
+            <a:schemeClr val="lt1"/>
+          </a:fontRef>
+        </p:style>
+        <p:txBody>
+          <a:bodyPr rtlCol="0" anchor="ctr"/>
+          <a:lstStyle/>
+          <a:p>
+            <a:pPr algn="ctr"/>
+            <a:endParaRPr lang="en-US"/>
+          </a:p>
+        </p:txBody>
+      </p:sp>
+    </p:spTree>
+    <p:extLst>
+      <p:ext uri="{BB962C8B-B14F-4D97-AF65-F5344CB8AC3E}">
+        <p14:creationId xmlns:p14="http://schemas.microsoft.com/office/powerpoint/2010/main" val="891335981"/>
+      </p:ext>
+    </p:extLst>
+  </p:cSld>
+  <p:clrMapOvr>
+    <a:masterClrMapping/>
+  </p:clrMapOvr>
+  <mc:AlternateContent xmlns:mc="http://schemas.openxmlformats.org/markup-compatibility/2006">
+    <mc:Choice xmlns:p159="http://schemas.microsoft.com/office/powerpoint/2015/09/main" Requires="p159">
+      <p:transition xmlns:p14="http://schemas.microsoft.com/office/powerpoint/2010/main" spd="slow" p14:dur="2000" advTm="10000">
+        <p159:morph option="byObject"/>
+      </p:transition>
+    </mc:Choice>
+    <mc:Fallback>
+      <p:transition spd="slow" advTm="10000">
+        <p:fade/>
+      </p:transition>
     </mc:Fallback>
   </mc:AlternateContent>
 </p:sld>
